--- a/pitch.pptx
+++ b/pitch.pptx
@@ -5,19 +5,16 @@
     <p:sldMasterId id="2147483648" r:id="rId1"/>
   </p:sldMasterIdLst>
   <p:notesMasterIdLst>
-    <p:notesMasterId r:id="rId12"/>
+    <p:notesMasterId r:id="rId9"/>
   </p:notesMasterIdLst>
   <p:sldIdLst>
-    <p:sldId id="256" r:id="rId2"/>
-    <p:sldId id="257" r:id="rId3"/>
-    <p:sldId id="259" r:id="rId4"/>
-    <p:sldId id="260" r:id="rId5"/>
-    <p:sldId id="261" r:id="rId6"/>
-    <p:sldId id="262" r:id="rId7"/>
-    <p:sldId id="263" r:id="rId8"/>
-    <p:sldId id="266" r:id="rId9"/>
-    <p:sldId id="258" r:id="rId10"/>
-    <p:sldId id="264" r:id="rId11"/>
+    <p:sldId id="268" r:id="rId2"/>
+    <p:sldId id="267" r:id="rId3"/>
+    <p:sldId id="260" r:id="rId4"/>
+    <p:sldId id="262" r:id="rId5"/>
+    <p:sldId id="266" r:id="rId6"/>
+    <p:sldId id="258" r:id="rId7"/>
+    <p:sldId id="264" r:id="rId8"/>
   </p:sldIdLst>
   <p:sldSz cx="12192000" cy="6858000"/>
   <p:notesSz cx="6858000" cy="9144000"/>
@@ -116,6 +113,11 @@
       </a:defRPr>
     </a:lvl9pPr>
   </p:defaultTextStyle>
+  <p:extLst>
+    <p:ext uri="{EFAFB233-063F-42B5-8137-9DF3F51BA10A}">
+      <p15:sldGuideLst xmlns:p15="http://schemas.microsoft.com/office/powerpoint/2012/main"/>
+    </p:ext>
+  </p:extLst>
 </p:presentation>
 </file>
 
@@ -2055,21 +2057,21 @@
   </dgm:ptLst>
   <dgm:cxnLst>
     <dgm:cxn modelId="{CA37D5BF-3023-D944-B424-065DC16230CA}" type="presOf" srcId="{7D560981-7AAF-472B-B752-638FFE83A562}" destId="{8711CB27-797F-EE48-A0F6-D34FE7D0095A}" srcOrd="0" destOrd="0" presId="urn:microsoft.com/office/officeart/2016/7/layout/BasicLinearProcessNumbered"/>
+    <dgm:cxn modelId="{4B379643-F40D-6043-8E66-9EE47ED5ECB7}" type="presOf" srcId="{AEA0BF03-0085-4926-9E60-43721346742E}" destId="{93AF98AA-4B25-634A-AF9D-A5DC4BDB2BA9}" srcOrd="0" destOrd="0" presId="urn:microsoft.com/office/officeart/2016/7/layout/BasicLinearProcessNumbered"/>
+    <dgm:cxn modelId="{01FE720B-7DED-A042-A193-53E10D980BAF}" type="presOf" srcId="{8E26C322-A8E2-4244-8E75-C99D8E424A13}" destId="{C27863D2-2446-FF4C-9404-6CA74E303F2C}" srcOrd="1" destOrd="0" presId="urn:microsoft.com/office/officeart/2016/7/layout/BasicLinearProcessNumbered"/>
+    <dgm:cxn modelId="{FEADBCF1-31C3-4F20-9D33-BD39FCEF65D1}" srcId="{E8E9A8DD-60E8-4794-905A-B07670743F09}" destId="{AB9A7C26-1102-4F49-B211-B41DCFF53CF2}" srcOrd="1" destOrd="0" parTransId="{0DD0D527-8769-45BC-94F1-07A2BE2731D8}" sibTransId="{7D560981-7AAF-472B-B752-638FFE83A562}"/>
     <dgm:cxn modelId="{5DC90DBD-F7F4-D641-916F-E77D03C9BD63}" type="presOf" srcId="{16ACE874-168A-43FD-B2C6-0BB9E3B0185C}" destId="{5083C62C-6812-7C45-A48C-47BC731881BD}" srcOrd="0" destOrd="0" presId="urn:microsoft.com/office/officeart/2016/7/layout/BasicLinearProcessNumbered"/>
+    <dgm:cxn modelId="{F455B476-D512-9340-A08F-F9A3241AA01E}" type="presOf" srcId="{6E52AFA9-1460-465C-912B-FA7FAC4E12C1}" destId="{5A9CFB86-D8B8-BE49-8DA3-902EB7A2FEB4}" srcOrd="0" destOrd="0" presId="urn:microsoft.com/office/officeart/2016/7/layout/BasicLinearProcessNumbered"/>
+    <dgm:cxn modelId="{6EF22C6E-1BE5-46F0-A8A3-E6D0A1A8D01B}" srcId="{E8E9A8DD-60E8-4794-905A-B07670743F09}" destId="{714BAA33-CC47-418A-9D09-8C21754A09E7}" srcOrd="0" destOrd="0" parTransId="{72B5069E-2260-4AC2-A94C-3F12B7E397EB}" sibTransId="{5F3A07CA-B8F1-4EB3-87B5-6BDB7C1740D3}"/>
+    <dgm:cxn modelId="{3243A2AF-22EC-C341-B559-88E61FFF9D6A}" type="presOf" srcId="{714BAA33-CC47-418A-9D09-8C21754A09E7}" destId="{A605D653-525C-AF4C-857E-5DFC9C4B0EBC}" srcOrd="1" destOrd="0" presId="urn:microsoft.com/office/officeart/2016/7/layout/BasicLinearProcessNumbered"/>
+    <dgm:cxn modelId="{DE7D2789-785D-4B4B-AF19-4AEA3BB16B99}" srcId="{E8E9A8DD-60E8-4794-905A-B07670743F09}" destId="{16ACE874-168A-43FD-B2C6-0BB9E3B0185C}" srcOrd="3" destOrd="0" parTransId="{DED6FBE1-807B-48A3-A83E-9BB91606C7A3}" sibTransId="{AEA0BF03-0085-4926-9E60-43721346742E}"/>
     <dgm:cxn modelId="{7153844D-D1DF-DD43-B189-B79E227BBFEB}" type="presOf" srcId="{16ACE874-168A-43FD-B2C6-0BB9E3B0185C}" destId="{8CDE3E42-B8E4-824B-A560-9FB264F822D1}" srcOrd="1" destOrd="0" presId="urn:microsoft.com/office/officeart/2016/7/layout/BasicLinearProcessNumbered"/>
-    <dgm:cxn modelId="{01FE720B-7DED-A042-A193-53E10D980BAF}" type="presOf" srcId="{8E26C322-A8E2-4244-8E75-C99D8E424A13}" destId="{C27863D2-2446-FF4C-9404-6CA74E303F2C}" srcOrd="1" destOrd="0" presId="urn:microsoft.com/office/officeart/2016/7/layout/BasicLinearProcessNumbered"/>
-    <dgm:cxn modelId="{3243A2AF-22EC-C341-B559-88E61FFF9D6A}" type="presOf" srcId="{714BAA33-CC47-418A-9D09-8C21754A09E7}" destId="{A605D653-525C-AF4C-857E-5DFC9C4B0EBC}" srcOrd="1" destOrd="0" presId="urn:microsoft.com/office/officeart/2016/7/layout/BasicLinearProcessNumbered"/>
+    <dgm:cxn modelId="{0D6D6BD4-14BD-9647-A6E4-F3834B9F78E6}" type="presOf" srcId="{AB9A7C26-1102-4F49-B211-B41DCFF53CF2}" destId="{251DE081-FE89-8D4F-BB15-FE8059E4A169}" srcOrd="0" destOrd="0" presId="urn:microsoft.com/office/officeart/2016/7/layout/BasicLinearProcessNumbered"/>
+    <dgm:cxn modelId="{E975C7B9-6D9B-FF42-B10E-32D9F7E34D9C}" type="presOf" srcId="{714BAA33-CC47-418A-9D09-8C21754A09E7}" destId="{543D0662-1AEC-E440-A5E2-2D13DB854B86}" srcOrd="0" destOrd="0" presId="urn:microsoft.com/office/officeart/2016/7/layout/BasicLinearProcessNumbered"/>
+    <dgm:cxn modelId="{4F253770-A75B-0540-BB53-0D5E785A7FC4}" type="presOf" srcId="{E8E9A8DD-60E8-4794-905A-B07670743F09}" destId="{A736ED36-87D2-3E4B-894C-823AB868A2A1}" srcOrd="0" destOrd="0" presId="urn:microsoft.com/office/officeart/2016/7/layout/BasicLinearProcessNumbered"/>
+    <dgm:cxn modelId="{B29A843E-5BB7-4A87-98CD-1EA0AFA0F042}" srcId="{E8E9A8DD-60E8-4794-905A-B07670743F09}" destId="{8E26C322-A8E2-4244-8E75-C99D8E424A13}" srcOrd="2" destOrd="0" parTransId="{2CE42DFF-DB36-4091-9A92-2550D2DE69A0}" sibTransId="{6E52AFA9-1460-465C-912B-FA7FAC4E12C1}"/>
+    <dgm:cxn modelId="{63D3B6D1-5AFA-C54B-8AE6-421C1F327567}" type="presOf" srcId="{AB9A7C26-1102-4F49-B211-B41DCFF53CF2}" destId="{FA525043-CE33-2343-8F65-997081B785FF}" srcOrd="1" destOrd="0" presId="urn:microsoft.com/office/officeart/2016/7/layout/BasicLinearProcessNumbered"/>
     <dgm:cxn modelId="{08605F14-65DC-3449-8FF2-675719CF70E3}" type="presOf" srcId="{5F3A07CA-B8F1-4EB3-87B5-6BDB7C1740D3}" destId="{262F7E80-FF82-0842-BFED-4A38F02A283F}" srcOrd="0" destOrd="0" presId="urn:microsoft.com/office/officeart/2016/7/layout/BasicLinearProcessNumbered"/>
-    <dgm:cxn modelId="{B29A843E-5BB7-4A87-98CD-1EA0AFA0F042}" srcId="{E8E9A8DD-60E8-4794-905A-B07670743F09}" destId="{8E26C322-A8E2-4244-8E75-C99D8E424A13}" srcOrd="2" destOrd="0" parTransId="{2CE42DFF-DB36-4091-9A92-2550D2DE69A0}" sibTransId="{6E52AFA9-1460-465C-912B-FA7FAC4E12C1}"/>
-    <dgm:cxn modelId="{6EF22C6E-1BE5-46F0-A8A3-E6D0A1A8D01B}" srcId="{E8E9A8DD-60E8-4794-905A-B07670743F09}" destId="{714BAA33-CC47-418A-9D09-8C21754A09E7}" srcOrd="0" destOrd="0" parTransId="{72B5069E-2260-4AC2-A94C-3F12B7E397EB}" sibTransId="{5F3A07CA-B8F1-4EB3-87B5-6BDB7C1740D3}"/>
-    <dgm:cxn modelId="{E975C7B9-6D9B-FF42-B10E-32D9F7E34D9C}" type="presOf" srcId="{714BAA33-CC47-418A-9D09-8C21754A09E7}" destId="{543D0662-1AEC-E440-A5E2-2D13DB854B86}" srcOrd="0" destOrd="0" presId="urn:microsoft.com/office/officeart/2016/7/layout/BasicLinearProcessNumbered"/>
-    <dgm:cxn modelId="{63D3B6D1-5AFA-C54B-8AE6-421C1F327567}" type="presOf" srcId="{AB9A7C26-1102-4F49-B211-B41DCFF53CF2}" destId="{FA525043-CE33-2343-8F65-997081B785FF}" srcOrd="1" destOrd="0" presId="urn:microsoft.com/office/officeart/2016/7/layout/BasicLinearProcessNumbered"/>
-    <dgm:cxn modelId="{0D6D6BD4-14BD-9647-A6E4-F3834B9F78E6}" type="presOf" srcId="{AB9A7C26-1102-4F49-B211-B41DCFF53CF2}" destId="{251DE081-FE89-8D4F-BB15-FE8059E4A169}" srcOrd="0" destOrd="0" presId="urn:microsoft.com/office/officeart/2016/7/layout/BasicLinearProcessNumbered"/>
-    <dgm:cxn modelId="{FEADBCF1-31C3-4F20-9D33-BD39FCEF65D1}" srcId="{E8E9A8DD-60E8-4794-905A-B07670743F09}" destId="{AB9A7C26-1102-4F49-B211-B41DCFF53CF2}" srcOrd="1" destOrd="0" parTransId="{0DD0D527-8769-45BC-94F1-07A2BE2731D8}" sibTransId="{7D560981-7AAF-472B-B752-638FFE83A562}"/>
-    <dgm:cxn modelId="{DE7D2789-785D-4B4B-AF19-4AEA3BB16B99}" srcId="{E8E9A8DD-60E8-4794-905A-B07670743F09}" destId="{16ACE874-168A-43FD-B2C6-0BB9E3B0185C}" srcOrd="3" destOrd="0" parTransId="{DED6FBE1-807B-48A3-A83E-9BB91606C7A3}" sibTransId="{AEA0BF03-0085-4926-9E60-43721346742E}"/>
-    <dgm:cxn modelId="{4B379643-F40D-6043-8E66-9EE47ED5ECB7}" type="presOf" srcId="{AEA0BF03-0085-4926-9E60-43721346742E}" destId="{93AF98AA-4B25-634A-AF9D-A5DC4BDB2BA9}" srcOrd="0" destOrd="0" presId="urn:microsoft.com/office/officeart/2016/7/layout/BasicLinearProcessNumbered"/>
-    <dgm:cxn modelId="{4F253770-A75B-0540-BB53-0D5E785A7FC4}" type="presOf" srcId="{E8E9A8DD-60E8-4794-905A-B07670743F09}" destId="{A736ED36-87D2-3E4B-894C-823AB868A2A1}" srcOrd="0" destOrd="0" presId="urn:microsoft.com/office/officeart/2016/7/layout/BasicLinearProcessNumbered"/>
-    <dgm:cxn modelId="{F455B476-D512-9340-A08F-F9A3241AA01E}" type="presOf" srcId="{6E52AFA9-1460-465C-912B-FA7FAC4E12C1}" destId="{5A9CFB86-D8B8-BE49-8DA3-902EB7A2FEB4}" srcOrd="0" destOrd="0" presId="urn:microsoft.com/office/officeart/2016/7/layout/BasicLinearProcessNumbered"/>
     <dgm:cxn modelId="{58C6AA22-2356-7D49-939C-D355B1F04D3C}" type="presOf" srcId="{8E26C322-A8E2-4244-8E75-C99D8E424A13}" destId="{BDD52F50-7CAC-5647-851F-EF2F9226F6B9}" srcOrd="0" destOrd="0" presId="urn:microsoft.com/office/officeart/2016/7/layout/BasicLinearProcessNumbered"/>
     <dgm:cxn modelId="{6DB39CE0-7AAE-6C41-BBC8-83A0BE9403A0}" type="presParOf" srcId="{A736ED36-87D2-3E4B-894C-823AB868A2A1}" destId="{2D4AF903-F067-014F-9D99-BFCD8A47C232}" srcOrd="0" destOrd="0" presId="urn:microsoft.com/office/officeart/2016/7/layout/BasicLinearProcessNumbered"/>
     <dgm:cxn modelId="{7C1B6691-395E-504A-85D9-22EA774D9577}" type="presParOf" srcId="{2D4AF903-F067-014F-9D99-BFCD8A47C232}" destId="{543D0662-1AEC-E440-A5E2-2D13DB854B86}" srcOrd="0" destOrd="0" presId="urn:microsoft.com/office/officeart/2016/7/layout/BasicLinearProcessNumbered"/>
@@ -4088,7 +4090,7 @@
   </dgm:layoutNode>
   <dgm:extLst>
     <a:ext uri="{4F341089-5ED1-44EC-B178-C955D00A3D55}">
-      <dgm1611:autoBuNodeInfoLst xmlns:dgm1611="http://schemas.microsoft.com/office/drawing/2016/11/diagram" xmlns="">
+      <dgm1611:autoBuNodeInfoLst xmlns="" xmlns:dgm1611="http://schemas.microsoft.com/office/drawing/2016/11/diagram">
         <dgm1611:autoBuNodeInfo lvl="1" ptType="sibTrans">
           <dgm1611:buPr prefix="" leadZeros="0">
             <a:buAutoNum type="arabicParenBoth"/>
@@ -9633,64 +9635,212 @@
       </p:grpSpPr>
       <p:sp>
         <p:nvSpPr>
-          <p:cNvPr id="2" name="Title 1"/>
+          <p:cNvPr id="9" name="Rectangle 8"/>
           <p:cNvSpPr>
-            <a:spLocks noGrp="1"/>
+            <a:spLocks noGrp="1" noRot="1" noChangeAspect="1" noMove="1" noResize="1" noEditPoints="1" noAdjustHandles="1" noChangeArrowheads="1" noChangeShapeType="1" noTextEdit="1"/>
           </p:cNvSpPr>
           <p:nvPr>
-            <p:ph type="ctrTitle"/>
+            <p:extLst>
+              <p:ext uri="{386F3935-93C4-4BCD-93E2-E3B085C9AB24}">
+                <p16:designElem xmlns:p16="http://schemas.microsoft.com/office/powerpoint/2015/main" val="1"/>
+              </p:ext>
+            </p:extLst>
           </p:nvPr>
         </p:nvSpPr>
-        <p:spPr/>
+        <p:spPr bwMode="white">
+          <a:xfrm>
+            <a:off x="0" y="0"/>
+            <a:ext cx="12192000" cy="6858000"/>
+          </a:xfrm>
+          <a:prstGeom prst="rect">
+            <a:avLst/>
+          </a:prstGeom>
+          <a:solidFill>
+            <a:schemeClr val="bg1"/>
+          </a:solidFill>
+          <a:ln>
+            <a:noFill/>
+          </a:ln>
+          <a:effectLst/>
+        </p:spPr>
+      </p:sp>
+      <p:pic>
+        <p:nvPicPr>
+          <p:cNvPr id="4" name="Content Placeholder 3"/>
+          <p:cNvPicPr>
+            <a:picLocks noGrp="1" noChangeAspect="1"/>
+          </p:cNvPicPr>
+          <p:nvPr>
+            <p:ph idx="1"/>
+          </p:nvPr>
+        </p:nvPicPr>
+        <p:blipFill rotWithShape="1">
+          <a:blip r:embed="rId2">
+            <a:extLst>
+              <a:ext uri="{28A0092B-C50C-407E-A947-70E740481C1C}">
+                <a14:useLocalDpi xmlns:a14="http://schemas.microsoft.com/office/drawing/2010/main" val="0"/>
+              </a:ext>
+            </a:extLst>
+          </a:blip>
+          <a:srcRect t="8166" b="21522"/>
+          <a:stretch/>
+        </p:blipFill>
+        <p:spPr>
+          <a:xfrm>
+            <a:off x="20" y="10"/>
+            <a:ext cx="12191980" cy="6857990"/>
+          </a:xfrm>
+          <a:prstGeom prst="rect">
+            <a:avLst/>
+          </a:prstGeom>
+        </p:spPr>
+      </p:pic>
+      <p:sp>
+        <p:nvSpPr>
+          <p:cNvPr id="11" name="Rectangle 10"/>
+          <p:cNvSpPr>
+            <a:spLocks noGrp="1" noRot="1" noChangeAspect="1" noMove="1" noResize="1" noEditPoints="1" noAdjustHandles="1" noChangeArrowheads="1" noChangeShapeType="1" noTextEdit="1"/>
+          </p:cNvSpPr>
+          <p:nvPr>
+            <p:extLst>
+              <p:ext uri="{386F3935-93C4-4BCD-93E2-E3B085C9AB24}">
+                <p16:designElem xmlns:p16="http://schemas.microsoft.com/office/powerpoint/2015/main" val="1"/>
+              </p:ext>
+            </p:extLst>
+          </p:nvPr>
+        </p:nvSpPr>
+        <p:spPr>
+          <a:xfrm>
+            <a:off x="0" y="5320142"/>
+            <a:ext cx="12192000" cy="736551"/>
+          </a:xfrm>
+          <a:prstGeom prst="rect">
+            <a:avLst/>
+          </a:prstGeom>
+          <a:solidFill>
+            <a:schemeClr val="tx1">
+              <a:alpha val="75000"/>
+            </a:schemeClr>
+          </a:solidFill>
+          <a:ln>
+            <a:noFill/>
+          </a:ln>
+        </p:spPr>
+        <p:style>
+          <a:lnRef idx="2">
+            <a:schemeClr val="accent1">
+              <a:shade val="50000"/>
+            </a:schemeClr>
+          </a:lnRef>
+          <a:fillRef idx="1">
+            <a:schemeClr val="accent1"/>
+          </a:fillRef>
+          <a:effectRef idx="0">
+            <a:schemeClr val="accent1"/>
+          </a:effectRef>
+          <a:fontRef idx="minor">
+            <a:schemeClr val="lt1"/>
+          </a:fontRef>
+        </p:style>
         <p:txBody>
-          <a:bodyPr/>
+          <a:bodyPr rtlCol="0" anchor="ctr"/>
           <a:lstStyle/>
           <a:p>
-            <a:r>
-              <a:rPr lang="en-US" dirty="0" smtClean="0"/>
-              <a:t>Vehicles as infrastructure</a:t>
-            </a:r>
-            <a:endParaRPr lang="en-US" dirty="0"/>
+            <a:pPr algn="ctr"/>
+            <a:endParaRPr lang="en-US"/>
           </a:p>
         </p:txBody>
       </p:sp>
-    </p:spTree>
-    <p:extLst>
-      <p:ext uri="{BB962C8B-B14F-4D97-AF65-F5344CB8AC3E}">
-        <p14:creationId xmlns:p14="http://schemas.microsoft.com/office/powerpoint/2010/main" val="363113990"/>
-      </p:ext>
-    </p:extLst>
-  </p:cSld>
-  <p:clrMapOvr>
-    <a:masterClrMapping/>
-  </p:clrMapOvr>
-  <p:timing>
-    <p:tnLst>
-      <p:par>
-        <p:cTn id="1" dur="indefinite" restart="never" nodeType="tmRoot"/>
-      </p:par>
-    </p:tnLst>
-  </p:timing>
-</p:sld>
-</file>
-
-<file path=ppt/slides/slide10.xml><?xml version="1.0" encoding="utf-8"?>
-<p:sld xmlns:a="http://schemas.openxmlformats.org/drawingml/2006/main" xmlns:r="http://schemas.openxmlformats.org/officeDocument/2006/relationships" xmlns:p="http://schemas.openxmlformats.org/presentationml/2006/main">
-  <p:cSld>
-    <p:spTree>
-      <p:nvGrpSpPr>
-        <p:cNvPr id="1" name=""/>
-        <p:cNvGrpSpPr/>
-        <p:nvPr/>
-      </p:nvGrpSpPr>
-      <p:grpSpPr>
-        <a:xfrm>
-          <a:off x="0" y="0"/>
-          <a:ext cx="0" cy="0"/>
-          <a:chOff x="0" y="0"/>
-          <a:chExt cx="0" cy="0"/>
-        </a:xfrm>
-      </p:grpSpPr>
+      <p:cxnSp>
+        <p:nvCxnSpPr>
+          <p:cNvPr id="13" name="Straight Connector 12"/>
+          <p:cNvCxnSpPr>
+            <a:cxnSpLocks noGrp="1" noRot="1" noChangeAspect="1" noMove="1" noResize="1" noEditPoints="1" noAdjustHandles="1" noChangeArrowheads="1" noChangeShapeType="1"/>
+          </p:cNvCxnSpPr>
+          <p:nvPr>
+            <p:extLst>
+              <p:ext uri="{386F3935-93C4-4BCD-93E2-E3B085C9AB24}">
+                <p16:designElem xmlns:p16="http://schemas.microsoft.com/office/powerpoint/2015/main" val="1"/>
+              </p:ext>
+            </p:extLst>
+          </p:nvPr>
+        </p:nvCxnSpPr>
+        <p:spPr>
+          <a:xfrm>
+            <a:off x="0" y="5241983"/>
+            <a:ext cx="12192000" cy="0"/>
+          </a:xfrm>
+          <a:prstGeom prst="line">
+            <a:avLst/>
+          </a:prstGeom>
+          <a:ln w="41275">
+            <a:solidFill>
+              <a:schemeClr val="bg1">
+                <a:alpha val="90000"/>
+              </a:schemeClr>
+            </a:solidFill>
+          </a:ln>
+        </p:spPr>
+        <p:style>
+          <a:lnRef idx="1">
+            <a:schemeClr val="accent1"/>
+          </a:lnRef>
+          <a:fillRef idx="0">
+            <a:schemeClr val="accent1"/>
+          </a:fillRef>
+          <a:effectRef idx="0">
+            <a:schemeClr val="accent1"/>
+          </a:effectRef>
+          <a:fontRef idx="minor">
+            <a:schemeClr val="tx1"/>
+          </a:fontRef>
+        </p:style>
+      </p:cxnSp>
+      <p:cxnSp>
+        <p:nvCxnSpPr>
+          <p:cNvPr id="15" name="Straight Connector 14"/>
+          <p:cNvCxnSpPr>
+            <a:cxnSpLocks noGrp="1" noRot="1" noChangeAspect="1" noMove="1" noResize="1" noEditPoints="1" noAdjustHandles="1" noChangeArrowheads="1" noChangeShapeType="1"/>
+          </p:cNvCxnSpPr>
+          <p:nvPr>
+            <p:extLst>
+              <p:ext uri="{386F3935-93C4-4BCD-93E2-E3B085C9AB24}">
+                <p16:designElem xmlns:p16="http://schemas.microsoft.com/office/powerpoint/2015/main" val="1"/>
+              </p:ext>
+            </p:extLst>
+          </p:nvPr>
+        </p:nvCxnSpPr>
+        <p:spPr>
+          <a:xfrm>
+            <a:off x="0" y="6134852"/>
+            <a:ext cx="12192000" cy="0"/>
+          </a:xfrm>
+          <a:prstGeom prst="line">
+            <a:avLst/>
+          </a:prstGeom>
+          <a:ln w="41275">
+            <a:solidFill>
+              <a:schemeClr val="bg1">
+                <a:alpha val="90000"/>
+              </a:schemeClr>
+            </a:solidFill>
+          </a:ln>
+        </p:spPr>
+        <p:style>
+          <a:lnRef idx="1">
+            <a:schemeClr val="accent1"/>
+          </a:lnRef>
+          <a:fillRef idx="0">
+            <a:schemeClr val="accent1"/>
+          </a:fillRef>
+          <a:effectRef idx="0">
+            <a:schemeClr val="accent1"/>
+          </a:effectRef>
+          <a:fontRef idx="minor">
+            <a:schemeClr val="tx1"/>
+          </a:fontRef>
+        </p:style>
+      </p:cxnSp>
       <p:sp>
         <p:nvSpPr>
           <p:cNvPr id="2" name="Title 1"/>
@@ -9703,153 +9853,116 @@
         </p:nvSpPr>
         <p:spPr>
           <a:xfrm>
-            <a:off x="838200" y="365125"/>
-            <a:ext cx="10515600" cy="1325563"/>
+            <a:off x="523875" y="5317240"/>
+            <a:ext cx="11210925" cy="744836"/>
           </a:xfrm>
         </p:spPr>
         <p:txBody>
-          <a:bodyPr>
+          <a:bodyPr vert="horz" lIns="91440" tIns="45720" rIns="91440" bIns="45720" rtlCol="0" anchor="ctr">
             <a:normAutofit/>
           </a:bodyPr>
           <a:lstStyle/>
           <a:p>
+            <a:pPr algn="ctr"/>
             <a:r>
-              <a:rPr lang="en-US" b="1" dirty="0"/>
-              <a:t>Hacked this </a:t>
+              <a:rPr lang="en-US" sz="3600" dirty="0" smtClean="0">
+                <a:solidFill>
+                  <a:schemeClr val="bg1"/>
+                </a:solidFill>
+              </a:rPr>
+              <a:t>Join the green wave!</a:t>
             </a:r>
-            <a:r>
-              <a:rPr lang="en-US" b="1" dirty="0" smtClean="0"/>
-              <a:t>event</a:t>
-            </a:r>
-            <a:endParaRPr lang="en-US" b="1" dirty="0"/>
+            <a:endParaRPr lang="en-US" sz="3600" dirty="0">
+              <a:solidFill>
+                <a:schemeClr val="bg1"/>
+              </a:solidFill>
+            </a:endParaRPr>
           </a:p>
         </p:txBody>
       </p:sp>
-      <p:graphicFrame>
-        <p:nvGraphicFramePr>
-          <p:cNvPr id="5" name="Content Placeholder 2"/>
-          <p:cNvGraphicFramePr>
-            <a:graphicFrameLocks noGrp="1"/>
-          </p:cNvGraphicFramePr>
-          <p:nvPr>
-            <p:ph idx="1"/>
-            <p:extLst>
-              <p:ext uri="{D42A27DB-BD31-4B8C-83A1-F6EECF244321}">
-                <p14:modId xmlns:p14="http://schemas.microsoft.com/office/powerpoint/2010/main" val="2144835896"/>
-              </p:ext>
-            </p:extLst>
-          </p:nvPr>
-        </p:nvGraphicFramePr>
-        <p:xfrm>
-          <a:off x="838200" y="1825625"/>
-          <a:ext cx="10515600" cy="4351338"/>
-        </p:xfrm>
-        <a:graphic>
-          <a:graphicData uri="http://schemas.openxmlformats.org/drawingml/2006/diagram">
-            <dgm:relIds xmlns:dgm="http://schemas.openxmlformats.org/drawingml/2006/diagram" xmlns:r="http://schemas.openxmlformats.org/officeDocument/2006/relationships" r:dm="rId2" r:lo="rId3" r:qs="rId4" r:cs="rId5"/>
-          </a:graphicData>
-        </a:graphic>
-      </p:graphicFrame>
+      <p:sp>
+        <p:nvSpPr>
+          <p:cNvPr id="8" name="Title 1"/>
+          <p:cNvSpPr txBox="1">
+            <a:spLocks/>
+          </p:cNvSpPr>
+          <p:nvPr/>
+        </p:nvSpPr>
+        <p:spPr>
+          <a:xfrm>
+            <a:off x="130175" y="478540"/>
+            <a:ext cx="11210925" cy="744836"/>
+          </a:xfrm>
+          <a:prstGeom prst="rect">
+            <a:avLst/>
+          </a:prstGeom>
+          <a:ln>
+            <a:noFill/>
+          </a:ln>
+        </p:spPr>
+        <p:txBody>
+          <a:bodyPr vert="horz" lIns="91440" tIns="45720" rIns="91440" bIns="45720" rtlCol="0" anchor="ctr">
+            <a:noAutofit/>
+          </a:bodyPr>
+          <a:lstStyle>
+            <a:lvl1pPr algn="l" defTabSz="914400" rtl="0" eaLnBrk="1" latinLnBrk="0" hangingPunct="1">
+              <a:lnSpc>
+                <a:spcPct val="90000"/>
+              </a:lnSpc>
+              <a:spcBef>
+                <a:spcPct val="0"/>
+              </a:spcBef>
+              <a:buNone/>
+              <a:defRPr sz="4400" kern="1200">
+                <a:solidFill>
+                  <a:schemeClr val="tx1"/>
+                </a:solidFill>
+                <a:latin typeface="+mj-lt"/>
+                <a:ea typeface="+mj-ea"/>
+                <a:cs typeface="+mj-cs"/>
+              </a:defRPr>
+            </a:lvl1pPr>
+          </a:lstStyle>
+          <a:p>
+            <a:pPr algn="ctr"/>
+            <a:r>
+              <a:rPr lang="en-US" sz="7200" dirty="0" smtClean="0">
+                <a:effectLst>
+                  <a:glow rad="50800">
+                    <a:schemeClr val="bg1">
+                      <a:lumMod val="95000"/>
+                    </a:schemeClr>
+                  </a:glow>
+                </a:effectLst>
+              </a:rPr>
+              <a:t>Smart cars as infrastructure</a:t>
+            </a:r>
+            <a:endParaRPr lang="en-US" sz="7200" dirty="0">
+              <a:effectLst>
+                <a:glow rad="50800">
+                  <a:schemeClr val="bg1">
+                    <a:lumMod val="95000"/>
+                  </a:schemeClr>
+                </a:glow>
+              </a:effectLst>
+            </a:endParaRPr>
+          </a:p>
+        </p:txBody>
+      </p:sp>
     </p:spTree>
     <p:extLst>
       <p:ext uri="{BB962C8B-B14F-4D97-AF65-F5344CB8AC3E}">
-        <p14:creationId xmlns:p14="http://schemas.microsoft.com/office/powerpoint/2010/main" val="1406254647"/>
+        <p14:creationId xmlns:p14="http://schemas.microsoft.com/office/powerpoint/2010/main" val="797200292"/>
       </p:ext>
     </p:extLst>
   </p:cSld>
   <p:clrMapOvr>
     <a:masterClrMapping/>
   </p:clrMapOvr>
-  <p:timing>
-    <p:tnLst>
-      <p:par>
-        <p:cTn id="1" dur="indefinite" restart="never" nodeType="tmRoot"/>
-      </p:par>
-    </p:tnLst>
-  </p:timing>
 </p:sld>
 </file>
 
 <file path=ppt/slides/slide2.xml><?xml version="1.0" encoding="utf-8"?>
-<p:sld xmlns:a="http://schemas.openxmlformats.org/drawingml/2006/main" xmlns:r="http://schemas.openxmlformats.org/officeDocument/2006/relationships" xmlns:p="http://schemas.openxmlformats.org/presentationml/2006/main">
-  <p:cSld>
-    <p:spTree>
-      <p:nvGrpSpPr>
-        <p:cNvPr id="1" name=""/>
-        <p:cNvGrpSpPr/>
-        <p:nvPr/>
-      </p:nvGrpSpPr>
-      <p:grpSpPr>
-        <a:xfrm>
-          <a:off x="0" y="0"/>
-          <a:ext cx="0" cy="0"/>
-          <a:chOff x="0" y="0"/>
-          <a:chExt cx="0" cy="0"/>
-        </a:xfrm>
-      </p:grpSpPr>
-      <p:sp>
-        <p:nvSpPr>
-          <p:cNvPr id="2" name="Title 1"/>
-          <p:cNvSpPr>
-            <a:spLocks noGrp="1"/>
-          </p:cNvSpPr>
-          <p:nvPr>
-            <p:ph type="ctrTitle"/>
-          </p:nvPr>
-        </p:nvSpPr>
-        <p:spPr/>
-        <p:txBody>
-          <a:bodyPr/>
-          <a:lstStyle/>
-          <a:p>
-            <a:r>
-              <a:rPr lang="en-US" smtClean="0"/>
-              <a:t>Golden wave</a:t>
-            </a:r>
-            <a:endParaRPr lang="en-US"/>
-          </a:p>
-        </p:txBody>
-      </p:sp>
-      <p:sp>
-        <p:nvSpPr>
-          <p:cNvPr id="3" name="Subtitle 2"/>
-          <p:cNvSpPr>
-            <a:spLocks noGrp="1"/>
-          </p:cNvSpPr>
-          <p:nvPr>
-            <p:ph type="subTitle" idx="1"/>
-          </p:nvPr>
-        </p:nvSpPr>
-        <p:spPr/>
-        <p:txBody>
-          <a:bodyPr/>
-          <a:lstStyle/>
-          <a:p>
-            <a:endParaRPr lang="en-US"/>
-          </a:p>
-        </p:txBody>
-      </p:sp>
-    </p:spTree>
-    <p:extLst>
-      <p:ext uri="{BB962C8B-B14F-4D97-AF65-F5344CB8AC3E}">
-        <p14:creationId xmlns:p14="http://schemas.microsoft.com/office/powerpoint/2010/main" val="189922993"/>
-      </p:ext>
-    </p:extLst>
-  </p:cSld>
-  <p:clrMapOvr>
-    <a:masterClrMapping/>
-  </p:clrMapOvr>
-  <p:timing>
-    <p:tnLst>
-      <p:par>
-        <p:cTn id="1" dur="indefinite" restart="never" nodeType="tmRoot"/>
-      </p:par>
-    </p:tnLst>
-  </p:timing>
-</p:sld>
-</file>
-
-<file path=ppt/slides/slide3.xml><?xml version="1.0" encoding="utf-8"?>
 <p:sld xmlns:a="http://schemas.openxmlformats.org/drawingml/2006/main" xmlns:r="http://schemas.openxmlformats.org/officeDocument/2006/relationships" xmlns:p="http://schemas.openxmlformats.org/presentationml/2006/main">
   <p:cSld>
     <p:spTree>
@@ -10036,7 +10149,7 @@
     </p:spTree>
     <p:extLst>
       <p:ext uri="{BB962C8B-B14F-4D97-AF65-F5344CB8AC3E}">
-        <p14:creationId xmlns:p14="http://schemas.microsoft.com/office/powerpoint/2010/main" val="3857449476"/>
+        <p14:creationId xmlns:p14="http://schemas.microsoft.com/office/powerpoint/2010/main" val="1374864273"/>
       </p:ext>
     </p:extLst>
   </p:cSld>
@@ -10053,7 +10166,7 @@
 </p:sld>
 </file>
 
-<file path=ppt/slides/slide4.xml><?xml version="1.0" encoding="utf-8"?>
+<file path=ppt/slides/slide3.xml><?xml version="1.0" encoding="utf-8"?>
 <p:sld xmlns:a="http://schemas.openxmlformats.org/drawingml/2006/main" xmlns:r="http://schemas.openxmlformats.org/officeDocument/2006/relationships" xmlns:p="http://schemas.openxmlformats.org/presentationml/2006/main">
   <p:cSld>
     <p:spTree>
@@ -10195,291 +10308,7 @@
 </p:sld>
 </file>
 
-<file path=ppt/slides/slide5.xml><?xml version="1.0" encoding="utf-8"?>
-<p:sld xmlns:a="http://schemas.openxmlformats.org/drawingml/2006/main" xmlns:r="http://schemas.openxmlformats.org/officeDocument/2006/relationships" xmlns:p="http://schemas.openxmlformats.org/presentationml/2006/main">
-  <p:cSld>
-    <p:spTree>
-      <p:nvGrpSpPr>
-        <p:cNvPr id="1" name=""/>
-        <p:cNvGrpSpPr/>
-        <p:nvPr/>
-      </p:nvGrpSpPr>
-      <p:grpSpPr>
-        <a:xfrm>
-          <a:off x="0" y="0"/>
-          <a:ext cx="0" cy="0"/>
-          <a:chOff x="0" y="0"/>
-          <a:chExt cx="0" cy="0"/>
-        </a:xfrm>
-      </p:grpSpPr>
-      <p:sp>
-        <p:nvSpPr>
-          <p:cNvPr id="22" name="Rectangle 21"/>
-          <p:cNvSpPr>
-            <a:spLocks noGrp="1" noRot="1" noChangeAspect="1" noMove="1" noResize="1" noEditPoints="1" noAdjustHandles="1" noChangeArrowheads="1" noChangeShapeType="1" noTextEdit="1"/>
-          </p:cNvSpPr>
-          <p:nvPr>
-            <p:extLst>
-              <p:ext uri="{386F3935-93C4-4BCD-93E2-E3B085C9AB24}">
-                <p16:designElem xmlns:p16="http://schemas.microsoft.com/office/powerpoint/2015/main" val="1"/>
-              </p:ext>
-            </p:extLst>
-          </p:nvPr>
-        </p:nvSpPr>
-        <p:spPr bwMode="white">
-          <a:xfrm>
-            <a:off x="0" y="0"/>
-            <a:ext cx="12192000" cy="6858000"/>
-          </a:xfrm>
-          <a:prstGeom prst="rect">
-            <a:avLst/>
-          </a:prstGeom>
-          <a:solidFill>
-            <a:schemeClr val="bg1"/>
-          </a:solidFill>
-          <a:ln>
-            <a:noFill/>
-          </a:ln>
-          <a:effectLst/>
-        </p:spPr>
-      </p:sp>
-      <p:pic>
-        <p:nvPicPr>
-          <p:cNvPr id="4" name="Content Placeholder 3"/>
-          <p:cNvPicPr>
-            <a:picLocks noGrp="1" noChangeAspect="1"/>
-          </p:cNvPicPr>
-          <p:nvPr>
-            <p:ph sz="half" idx="2"/>
-          </p:nvPr>
-        </p:nvPicPr>
-        <p:blipFill rotWithShape="1">
-          <a:blip r:embed="rId2">
-            <a:extLst>
-              <a:ext uri="{28A0092B-C50C-407E-A947-70E740481C1C}">
-                <a14:useLocalDpi xmlns:a14="http://schemas.microsoft.com/office/drawing/2010/main" val="0"/>
-              </a:ext>
-            </a:extLst>
-          </a:blip>
-          <a:srcRect t="4161" b="22069"/>
-          <a:stretch/>
-        </p:blipFill>
-        <p:spPr>
-          <a:xfrm>
-            <a:off x="20" y="10"/>
-            <a:ext cx="12191980" cy="6857990"/>
-          </a:xfrm>
-          <a:prstGeom prst="rect">
-            <a:avLst/>
-          </a:prstGeom>
-        </p:spPr>
-      </p:pic>
-      <p:sp>
-        <p:nvSpPr>
-          <p:cNvPr id="24" name="Rectangle 23"/>
-          <p:cNvSpPr>
-            <a:spLocks noGrp="1" noRot="1" noChangeAspect="1" noMove="1" noResize="1" noEditPoints="1" noAdjustHandles="1" noChangeArrowheads="1" noChangeShapeType="1" noTextEdit="1"/>
-          </p:cNvSpPr>
-          <p:nvPr>
-            <p:extLst>
-              <p:ext uri="{386F3935-93C4-4BCD-93E2-E3B085C9AB24}">
-                <p16:designElem xmlns:p16="http://schemas.microsoft.com/office/powerpoint/2015/main" val="1"/>
-              </p:ext>
-            </p:extLst>
-          </p:nvPr>
-        </p:nvSpPr>
-        <p:spPr>
-          <a:xfrm>
-            <a:off x="0" y="5320142"/>
-            <a:ext cx="12192000" cy="736551"/>
-          </a:xfrm>
-          <a:prstGeom prst="rect">
-            <a:avLst/>
-          </a:prstGeom>
-          <a:solidFill>
-            <a:schemeClr val="tx1">
-              <a:alpha val="75000"/>
-            </a:schemeClr>
-          </a:solidFill>
-          <a:ln>
-            <a:noFill/>
-          </a:ln>
-        </p:spPr>
-        <p:style>
-          <a:lnRef idx="2">
-            <a:schemeClr val="accent1">
-              <a:shade val="50000"/>
-            </a:schemeClr>
-          </a:lnRef>
-          <a:fillRef idx="1">
-            <a:schemeClr val="accent1"/>
-          </a:fillRef>
-          <a:effectRef idx="0">
-            <a:schemeClr val="accent1"/>
-          </a:effectRef>
-          <a:fontRef idx="minor">
-            <a:schemeClr val="lt1"/>
-          </a:fontRef>
-        </p:style>
-        <p:txBody>
-          <a:bodyPr rtlCol="0" anchor="ctr"/>
-          <a:lstStyle/>
-          <a:p>
-            <a:pPr algn="ctr"/>
-            <a:endParaRPr lang="en-US"/>
-          </a:p>
-        </p:txBody>
-      </p:sp>
-      <p:cxnSp>
-        <p:nvCxnSpPr>
-          <p:cNvPr id="26" name="Straight Connector 25"/>
-          <p:cNvCxnSpPr>
-            <a:cxnSpLocks noGrp="1" noRot="1" noChangeAspect="1" noMove="1" noResize="1" noEditPoints="1" noAdjustHandles="1" noChangeArrowheads="1" noChangeShapeType="1"/>
-          </p:cNvCxnSpPr>
-          <p:nvPr>
-            <p:extLst>
-              <p:ext uri="{386F3935-93C4-4BCD-93E2-E3B085C9AB24}">
-                <p16:designElem xmlns:p16="http://schemas.microsoft.com/office/powerpoint/2015/main" val="1"/>
-              </p:ext>
-            </p:extLst>
-          </p:nvPr>
-        </p:nvCxnSpPr>
-        <p:spPr>
-          <a:xfrm>
-            <a:off x="0" y="5241983"/>
-            <a:ext cx="12192000" cy="0"/>
-          </a:xfrm>
-          <a:prstGeom prst="line">
-            <a:avLst/>
-          </a:prstGeom>
-          <a:ln w="41275">
-            <a:solidFill>
-              <a:schemeClr val="bg1">
-                <a:alpha val="90000"/>
-              </a:schemeClr>
-            </a:solidFill>
-          </a:ln>
-        </p:spPr>
-        <p:style>
-          <a:lnRef idx="1">
-            <a:schemeClr val="accent1"/>
-          </a:lnRef>
-          <a:fillRef idx="0">
-            <a:schemeClr val="accent1"/>
-          </a:fillRef>
-          <a:effectRef idx="0">
-            <a:schemeClr val="accent1"/>
-          </a:effectRef>
-          <a:fontRef idx="minor">
-            <a:schemeClr val="tx1"/>
-          </a:fontRef>
-        </p:style>
-      </p:cxnSp>
-      <p:cxnSp>
-        <p:nvCxnSpPr>
-          <p:cNvPr id="28" name="Straight Connector 27"/>
-          <p:cNvCxnSpPr>
-            <a:cxnSpLocks noGrp="1" noRot="1" noChangeAspect="1" noMove="1" noResize="1" noEditPoints="1" noAdjustHandles="1" noChangeArrowheads="1" noChangeShapeType="1"/>
-          </p:cNvCxnSpPr>
-          <p:nvPr>
-            <p:extLst>
-              <p:ext uri="{386F3935-93C4-4BCD-93E2-E3B085C9AB24}">
-                <p16:designElem xmlns:p16="http://schemas.microsoft.com/office/powerpoint/2015/main" val="1"/>
-              </p:ext>
-            </p:extLst>
-          </p:nvPr>
-        </p:nvCxnSpPr>
-        <p:spPr>
-          <a:xfrm>
-            <a:off x="0" y="6134852"/>
-            <a:ext cx="12192000" cy="0"/>
-          </a:xfrm>
-          <a:prstGeom prst="line">
-            <a:avLst/>
-          </a:prstGeom>
-          <a:ln w="41275">
-            <a:solidFill>
-              <a:schemeClr val="bg1">
-                <a:alpha val="90000"/>
-              </a:schemeClr>
-            </a:solidFill>
-          </a:ln>
-        </p:spPr>
-        <p:style>
-          <a:lnRef idx="1">
-            <a:schemeClr val="accent1"/>
-          </a:lnRef>
-          <a:fillRef idx="0">
-            <a:schemeClr val="accent1"/>
-          </a:fillRef>
-          <a:effectRef idx="0">
-            <a:schemeClr val="accent1"/>
-          </a:effectRef>
-          <a:fontRef idx="minor">
-            <a:schemeClr val="tx1"/>
-          </a:fontRef>
-        </p:style>
-      </p:cxnSp>
-      <p:sp>
-        <p:nvSpPr>
-          <p:cNvPr id="2" name="Title 1"/>
-          <p:cNvSpPr>
-            <a:spLocks noGrp="1"/>
-          </p:cNvSpPr>
-          <p:nvPr>
-            <p:ph type="title"/>
-          </p:nvPr>
-        </p:nvSpPr>
-        <p:spPr>
-          <a:xfrm>
-            <a:off x="523875" y="5317240"/>
-            <a:ext cx="11210925" cy="744836"/>
-          </a:xfrm>
-        </p:spPr>
-        <p:txBody>
-          <a:bodyPr vert="horz" lIns="91440" tIns="45720" rIns="91440" bIns="45720" rtlCol="0" anchor="ctr">
-            <a:normAutofit/>
-          </a:bodyPr>
-          <a:lstStyle/>
-          <a:p>
-            <a:pPr algn="ctr"/>
-            <a:r>
-              <a:rPr lang="en-US" sz="3600" dirty="0" smtClean="0">
-                <a:solidFill>
-                  <a:schemeClr val="bg1"/>
-                </a:solidFill>
-              </a:rPr>
-              <a:t>Autonomous vehicles serve “manual” drivers</a:t>
-            </a:r>
-            <a:endParaRPr lang="en-US" sz="3600" dirty="0">
-              <a:solidFill>
-                <a:schemeClr val="bg1"/>
-              </a:solidFill>
-            </a:endParaRPr>
-          </a:p>
-        </p:txBody>
-      </p:sp>
-    </p:spTree>
-    <p:extLst>
-      <p:ext uri="{BB962C8B-B14F-4D97-AF65-F5344CB8AC3E}">
-        <p14:creationId xmlns:p14="http://schemas.microsoft.com/office/powerpoint/2010/main" val="150127109"/>
-      </p:ext>
-    </p:extLst>
-  </p:cSld>
-  <p:clrMapOvr>
-    <a:masterClrMapping/>
-  </p:clrMapOvr>
-  <p:timing>
-    <p:tnLst>
-      <p:par>
-        <p:cTn id="1" dur="indefinite" restart="never" nodeType="tmRoot"/>
-      </p:par>
-    </p:tnLst>
-  </p:timing>
-</p:sld>
-</file>
-
-<file path=ppt/slides/slide6.xml><?xml version="1.0" encoding="utf-8"?>
+<file path=ppt/slides/slide4.xml><?xml version="1.0" encoding="utf-8"?>
 <p:sld xmlns:a="http://schemas.openxmlformats.org/drawingml/2006/main" xmlns:r="http://schemas.openxmlformats.org/officeDocument/2006/relationships" xmlns:p="http://schemas.openxmlformats.org/presentationml/2006/main">
   <p:cSld>
     <p:spTree>
@@ -11184,712 +11013,7 @@
 </p:sld>
 </file>
 
-<file path=ppt/slides/slide7.xml><?xml version="1.0" encoding="utf-8"?>
-<p:sld xmlns:a="http://schemas.openxmlformats.org/drawingml/2006/main" xmlns:r="http://schemas.openxmlformats.org/officeDocument/2006/relationships" xmlns:p="http://schemas.openxmlformats.org/presentationml/2006/main">
-  <p:cSld>
-    <p:spTree>
-      <p:nvGrpSpPr>
-        <p:cNvPr id="1" name=""/>
-        <p:cNvGrpSpPr/>
-        <p:nvPr/>
-      </p:nvGrpSpPr>
-      <p:grpSpPr>
-        <a:xfrm>
-          <a:off x="0" y="0"/>
-          <a:ext cx="0" cy="0"/>
-          <a:chOff x="0" y="0"/>
-          <a:chExt cx="0" cy="0"/>
-        </a:xfrm>
-      </p:grpSpPr>
-      <p:sp>
-        <p:nvSpPr>
-          <p:cNvPr id="33" name="Rectangle 32"/>
-          <p:cNvSpPr>
-            <a:spLocks noGrp="1" noRot="1" noChangeAspect="1" noMove="1" noResize="1" noEditPoints="1" noAdjustHandles="1" noChangeArrowheads="1" noChangeShapeType="1" noTextEdit="1"/>
-          </p:cNvSpPr>
-          <p:nvPr>
-            <p:extLst>
-              <p:ext uri="{386F3935-93C4-4BCD-93E2-E3B085C9AB24}">
-                <p16:designElem xmlns:p16="http://schemas.microsoft.com/office/powerpoint/2015/main" val="1"/>
-              </p:ext>
-            </p:extLst>
-          </p:nvPr>
-        </p:nvSpPr>
-        <p:spPr bwMode="white">
-          <a:xfrm>
-            <a:off x="0" y="0"/>
-            <a:ext cx="12192000" cy="6858000"/>
-          </a:xfrm>
-          <a:prstGeom prst="rect">
-            <a:avLst/>
-          </a:prstGeom>
-          <a:solidFill>
-            <a:schemeClr val="bg1"/>
-          </a:solidFill>
-          <a:ln>
-            <a:noFill/>
-          </a:ln>
-          <a:effectLst/>
-        </p:spPr>
-      </p:sp>
-      <p:sp>
-        <p:nvSpPr>
-          <p:cNvPr id="35" name="Rectangle 34"/>
-          <p:cNvSpPr>
-            <a:spLocks noGrp="1" noRot="1" noChangeAspect="1" noMove="1" noResize="1" noEditPoints="1" noAdjustHandles="1" noChangeArrowheads="1" noChangeShapeType="1" noTextEdit="1"/>
-          </p:cNvSpPr>
-          <p:nvPr>
-            <p:extLst>
-              <p:ext uri="{386F3935-93C4-4BCD-93E2-E3B085C9AB24}">
-                <p16:designElem xmlns:p16="http://schemas.microsoft.com/office/powerpoint/2015/main" val="1"/>
-              </p:ext>
-            </p:extLst>
-          </p:nvPr>
-        </p:nvSpPr>
-        <p:spPr bwMode="ltGray">
-          <a:xfrm>
-            <a:off x="378068" y="4633546"/>
-            <a:ext cx="11438793" cy="1844256"/>
-          </a:xfrm>
-          <a:prstGeom prst="rect">
-            <a:avLst/>
-          </a:prstGeom>
-          <a:solidFill>
-            <a:schemeClr val="tx1">
-              <a:lumMod val="75000"/>
-              <a:lumOff val="25000"/>
-            </a:schemeClr>
-          </a:solidFill>
-          <a:ln w="127000" cap="sq" cmpd="thinThick">
-            <a:solidFill>
-              <a:schemeClr val="tx1">
-                <a:lumMod val="75000"/>
-                <a:lumOff val="25000"/>
-              </a:schemeClr>
-            </a:solidFill>
-          </a:ln>
-        </p:spPr>
-        <p:style>
-          <a:lnRef idx="2">
-            <a:schemeClr val="accent1">
-              <a:shade val="50000"/>
-            </a:schemeClr>
-          </a:lnRef>
-          <a:fillRef idx="1">
-            <a:schemeClr val="accent1"/>
-          </a:fillRef>
-          <a:effectRef idx="0">
-            <a:schemeClr val="accent1"/>
-          </a:effectRef>
-          <a:fontRef idx="minor">
-            <a:schemeClr val="lt1"/>
-          </a:fontRef>
-        </p:style>
-        <p:txBody>
-          <a:bodyPr rtlCol="0" anchor="ctr"/>
-          <a:lstStyle/>
-          <a:p>
-            <a:pPr algn="ctr"/>
-            <a:endParaRPr lang="en-US"/>
-          </a:p>
-        </p:txBody>
-      </p:sp>
-      <p:cxnSp>
-        <p:nvCxnSpPr>
-          <p:cNvPr id="37" name="Straight Connector 36"/>
-          <p:cNvCxnSpPr>
-            <a:cxnSpLocks noGrp="1" noRot="1" noChangeAspect="1" noMove="1" noResize="1" noEditPoints="1" noAdjustHandles="1" noChangeArrowheads="1" noChangeShapeType="1"/>
-          </p:cNvCxnSpPr>
-          <p:nvPr>
-            <p:extLst>
-              <p:ext uri="{386F3935-93C4-4BCD-93E2-E3B085C9AB24}">
-                <p16:designElem xmlns:p16="http://schemas.microsoft.com/office/powerpoint/2015/main" val="1"/>
-              </p:ext>
-            </p:extLst>
-          </p:nvPr>
-        </p:nvCxnSpPr>
-        <p:spPr>
-          <a:xfrm>
-            <a:off x="2209800" y="5738691"/>
-            <a:ext cx="7772400" cy="0"/>
-          </a:xfrm>
-          <a:prstGeom prst="line">
-            <a:avLst/>
-          </a:prstGeom>
-          <a:ln w="22225">
-            <a:solidFill>
-              <a:schemeClr val="bg1">
-                <a:lumMod val="85000"/>
-              </a:schemeClr>
-            </a:solidFill>
-          </a:ln>
-        </p:spPr>
-        <p:style>
-          <a:lnRef idx="1">
-            <a:schemeClr val="accent1"/>
-          </a:lnRef>
-          <a:fillRef idx="0">
-            <a:schemeClr val="accent1"/>
-          </a:fillRef>
-          <a:effectRef idx="0">
-            <a:schemeClr val="accent1"/>
-          </a:effectRef>
-          <a:fontRef idx="minor">
-            <a:schemeClr val="tx1"/>
-          </a:fontRef>
-        </p:style>
-      </p:cxnSp>
-      <p:cxnSp>
-        <p:nvCxnSpPr>
-          <p:cNvPr id="39" name="Straight Connector 38"/>
-          <p:cNvCxnSpPr>
-            <a:cxnSpLocks noGrp="1" noRot="1" noChangeAspect="1" noMove="1" noResize="1" noEditPoints="1" noAdjustHandles="1" noChangeArrowheads="1" noChangeShapeType="1"/>
-          </p:cNvCxnSpPr>
-          <p:nvPr>
-            <p:extLst>
-              <p:ext uri="{386F3935-93C4-4BCD-93E2-E3B085C9AB24}">
-                <p16:designElem xmlns:p16="http://schemas.microsoft.com/office/powerpoint/2015/main" val="1"/>
-              </p:ext>
-            </p:extLst>
-          </p:nvPr>
-        </p:nvCxnSpPr>
-        <p:spPr>
-          <a:xfrm>
-            <a:off x="4065689" y="477749"/>
-            <a:ext cx="0" cy="3657600"/>
-          </a:xfrm>
-          <a:prstGeom prst="line">
-            <a:avLst/>
-          </a:prstGeom>
-          <a:ln w="101600" cmpd="dbl">
-            <a:solidFill>
-              <a:schemeClr val="tx1">
-                <a:lumMod val="65000"/>
-                <a:lumOff val="35000"/>
-              </a:schemeClr>
-            </a:solidFill>
-          </a:ln>
-        </p:spPr>
-        <p:style>
-          <a:lnRef idx="1">
-            <a:schemeClr val="accent1"/>
-          </a:lnRef>
-          <a:fillRef idx="0">
-            <a:schemeClr val="accent1"/>
-          </a:fillRef>
-          <a:effectRef idx="0">
-            <a:schemeClr val="accent1"/>
-          </a:effectRef>
-          <a:fontRef idx="minor">
-            <a:schemeClr val="tx1"/>
-          </a:fontRef>
-        </p:style>
-      </p:cxnSp>
-      <p:pic>
-        <p:nvPicPr>
-          <p:cNvPr id="11" name="Picture 10"/>
-          <p:cNvPicPr>
-            <a:picLocks noChangeAspect="1"/>
-          </p:cNvPicPr>
-          <p:nvPr/>
-        </p:nvPicPr>
-        <p:blipFill>
-          <a:blip r:embed="rId2">
-            <a:extLst>
-              <a:ext uri="{28A0092B-C50C-407E-A947-70E740481C1C}">
-                <a14:useLocalDpi xmlns:a14="http://schemas.microsoft.com/office/drawing/2010/main" val="0"/>
-              </a:ext>
-            </a:extLst>
-          </a:blip>
-          <a:stretch>
-            <a:fillRect/>
-          </a:stretch>
-        </p:blipFill>
-        <p:spPr>
-          <a:xfrm>
-            <a:off x="320040" y="593745"/>
-            <a:ext cx="3425609" cy="3425609"/>
-          </a:xfrm>
-          <a:prstGeom prst="rect">
-            <a:avLst/>
-          </a:prstGeom>
-        </p:spPr>
-      </p:pic>
-      <p:pic>
-        <p:nvPicPr>
-          <p:cNvPr id="12" name="Picture 11"/>
-          <p:cNvPicPr>
-            <a:picLocks noChangeAspect="1"/>
-          </p:cNvPicPr>
-          <p:nvPr/>
-        </p:nvPicPr>
-        <p:blipFill>
-          <a:blip r:embed="rId2">
-            <a:extLst>
-              <a:ext uri="{28A0092B-C50C-407E-A947-70E740481C1C}">
-                <a14:useLocalDpi xmlns:a14="http://schemas.microsoft.com/office/drawing/2010/main" val="0"/>
-              </a:ext>
-            </a:extLst>
-          </a:blip>
-          <a:stretch>
-            <a:fillRect/>
-          </a:stretch>
-        </p:blipFill>
-        <p:spPr>
-          <a:xfrm>
-            <a:off x="4385729" y="589887"/>
-            <a:ext cx="3433324" cy="3433324"/>
-          </a:xfrm>
-          <a:prstGeom prst="rect">
-            <a:avLst/>
-          </a:prstGeom>
-        </p:spPr>
-      </p:pic>
-      <p:cxnSp>
-        <p:nvCxnSpPr>
-          <p:cNvPr id="41" name="Straight Connector 40"/>
-          <p:cNvCxnSpPr>
-            <a:cxnSpLocks noGrp="1" noRot="1" noChangeAspect="1" noMove="1" noResize="1" noEditPoints="1" noAdjustHandles="1" noChangeArrowheads="1" noChangeShapeType="1"/>
-          </p:cNvCxnSpPr>
-          <p:nvPr>
-            <p:extLst>
-              <p:ext uri="{386F3935-93C4-4BCD-93E2-E3B085C9AB24}">
-                <p16:designElem xmlns:p16="http://schemas.microsoft.com/office/powerpoint/2015/main" val="1"/>
-              </p:ext>
-            </p:extLst>
-          </p:nvPr>
-        </p:nvCxnSpPr>
-        <p:spPr>
-          <a:xfrm>
-            <a:off x="8129685" y="477749"/>
-            <a:ext cx="0" cy="3657600"/>
-          </a:xfrm>
-          <a:prstGeom prst="line">
-            <a:avLst/>
-          </a:prstGeom>
-          <a:ln w="101600" cmpd="dbl">
-            <a:solidFill>
-              <a:schemeClr val="tx1">
-                <a:lumMod val="65000"/>
-                <a:lumOff val="35000"/>
-              </a:schemeClr>
-            </a:solidFill>
-          </a:ln>
-        </p:spPr>
-        <p:style>
-          <a:lnRef idx="1">
-            <a:schemeClr val="accent1"/>
-          </a:lnRef>
-          <a:fillRef idx="0">
-            <a:schemeClr val="accent1"/>
-          </a:fillRef>
-          <a:effectRef idx="0">
-            <a:schemeClr val="accent1"/>
-          </a:effectRef>
-          <a:fontRef idx="minor">
-            <a:schemeClr val="tx1"/>
-          </a:fontRef>
-        </p:style>
-      </p:cxnSp>
-      <p:pic>
-        <p:nvPicPr>
-          <p:cNvPr id="6" name="Picture 5"/>
-          <p:cNvPicPr>
-            <a:picLocks noChangeAspect="1"/>
-          </p:cNvPicPr>
-          <p:nvPr/>
-        </p:nvPicPr>
-        <p:blipFill>
-          <a:blip r:embed="rId2">
-            <a:extLst>
-              <a:ext uri="{28A0092B-C50C-407E-A947-70E740481C1C}">
-                <a14:useLocalDpi xmlns:a14="http://schemas.microsoft.com/office/drawing/2010/main" val="0"/>
-              </a:ext>
-            </a:extLst>
-          </a:blip>
-          <a:stretch>
-            <a:fillRect/>
-          </a:stretch>
-        </p:blipFill>
-        <p:spPr>
-          <a:xfrm>
-            <a:off x="8449725" y="616905"/>
-            <a:ext cx="3423916" cy="3423916"/>
-          </a:xfrm>
-          <a:prstGeom prst="rect">
-            <a:avLst/>
-          </a:prstGeom>
-        </p:spPr>
-      </p:pic>
-      <p:sp>
-        <p:nvSpPr>
-          <p:cNvPr id="2" name="Title 1"/>
-          <p:cNvSpPr>
-            <a:spLocks noGrp="1"/>
-          </p:cNvSpPr>
-          <p:nvPr>
-            <p:ph type="title"/>
-          </p:nvPr>
-        </p:nvSpPr>
-        <p:spPr>
-          <a:xfrm>
-            <a:off x="527538" y="4756638"/>
-            <a:ext cx="11139854" cy="930447"/>
-          </a:xfrm>
-        </p:spPr>
-        <p:txBody>
-          <a:bodyPr vert="horz" lIns="91440" tIns="45720" rIns="91440" bIns="45720" rtlCol="0" anchor="b">
-            <a:normAutofit/>
-          </a:bodyPr>
-          <a:lstStyle/>
-          <a:p>
-            <a:pPr algn="ctr"/>
-            <a:r>
-              <a:rPr lang="en-US" sz="4600" dirty="0" smtClean="0">
-                <a:solidFill>
-                  <a:schemeClr val="bg1"/>
-                </a:solidFill>
-              </a:rPr>
-              <a:t>Demonstration</a:t>
-            </a:r>
-            <a:endParaRPr lang="en-US" sz="4600" dirty="0">
-              <a:solidFill>
-                <a:schemeClr val="bg1"/>
-              </a:solidFill>
-            </a:endParaRPr>
-          </a:p>
-        </p:txBody>
-      </p:sp>
-      <p:sp>
-        <p:nvSpPr>
-          <p:cNvPr id="3" name="Snip Same Side Corner Rectangle 2"/>
-          <p:cNvSpPr/>
-          <p:nvPr/>
-        </p:nvSpPr>
-        <p:spPr>
-          <a:xfrm>
-            <a:off x="9634282" y="2850078"/>
-            <a:ext cx="1054802" cy="368136"/>
-          </a:xfrm>
-          <a:prstGeom prst="snip2SameRect">
-            <a:avLst/>
-          </a:prstGeom>
-          <a:solidFill>
-            <a:srgbClr val="FF0000"/>
-          </a:solidFill>
-          <a:ln>
-            <a:solidFill>
-              <a:srgbClr val="FF0000"/>
-            </a:solidFill>
-          </a:ln>
-        </p:spPr>
-        <p:style>
-          <a:lnRef idx="2">
-            <a:schemeClr val="accent1">
-              <a:shade val="50000"/>
-            </a:schemeClr>
-          </a:lnRef>
-          <a:fillRef idx="1">
-            <a:schemeClr val="accent1"/>
-          </a:fillRef>
-          <a:effectRef idx="0">
-            <a:schemeClr val="accent1"/>
-          </a:effectRef>
-          <a:fontRef idx="minor">
-            <a:schemeClr val="lt1"/>
-          </a:fontRef>
-        </p:style>
-        <p:txBody>
-          <a:bodyPr rtlCol="0" anchor="ctr"/>
-          <a:lstStyle/>
-          <a:p>
-            <a:pPr algn="ctr"/>
-            <a:endParaRPr lang="en-US"/>
-          </a:p>
-        </p:txBody>
-      </p:sp>
-      <p:sp>
-        <p:nvSpPr>
-          <p:cNvPr id="13" name="Snip Same Side Corner Rectangle 12"/>
-          <p:cNvSpPr/>
-          <p:nvPr/>
-        </p:nvSpPr>
-        <p:spPr>
-          <a:xfrm>
-            <a:off x="5568599" y="2838204"/>
-            <a:ext cx="1054802" cy="368136"/>
-          </a:xfrm>
-          <a:prstGeom prst="snip2SameRect">
-            <a:avLst/>
-          </a:prstGeom>
-          <a:solidFill>
-            <a:schemeClr val="accent6"/>
-          </a:solidFill>
-          <a:ln>
-            <a:noFill/>
-          </a:ln>
-        </p:spPr>
-        <p:style>
-          <a:lnRef idx="2">
-            <a:schemeClr val="accent1">
-              <a:shade val="50000"/>
-            </a:schemeClr>
-          </a:lnRef>
-          <a:fillRef idx="1">
-            <a:schemeClr val="accent1"/>
-          </a:fillRef>
-          <a:effectRef idx="0">
-            <a:schemeClr val="accent1"/>
-          </a:effectRef>
-          <a:fontRef idx="minor">
-            <a:schemeClr val="lt1"/>
-          </a:fontRef>
-        </p:style>
-        <p:txBody>
-          <a:bodyPr rtlCol="0" anchor="ctr"/>
-          <a:lstStyle/>
-          <a:p>
-            <a:pPr algn="ctr"/>
-            <a:endParaRPr lang="en-US"/>
-          </a:p>
-        </p:txBody>
-      </p:sp>
-      <p:sp>
-        <p:nvSpPr>
-          <p:cNvPr id="14" name="Snip Same Side Corner Rectangle 13"/>
-          <p:cNvSpPr/>
-          <p:nvPr/>
-        </p:nvSpPr>
-        <p:spPr>
-          <a:xfrm>
-            <a:off x="1505444" y="2838204"/>
-            <a:ext cx="1054802" cy="368136"/>
-          </a:xfrm>
-          <a:prstGeom prst="snip2SameRect">
-            <a:avLst/>
-          </a:prstGeom>
-          <a:solidFill>
-            <a:schemeClr val="accent6"/>
-          </a:solidFill>
-          <a:ln>
-            <a:noFill/>
-          </a:ln>
-        </p:spPr>
-        <p:style>
-          <a:lnRef idx="2">
-            <a:schemeClr val="accent1">
-              <a:shade val="50000"/>
-            </a:schemeClr>
-          </a:lnRef>
-          <a:fillRef idx="1">
-            <a:schemeClr val="accent1"/>
-          </a:fillRef>
-          <a:effectRef idx="0">
-            <a:schemeClr val="accent1"/>
-          </a:effectRef>
-          <a:fontRef idx="minor">
-            <a:schemeClr val="lt1"/>
-          </a:fontRef>
-        </p:style>
-        <p:txBody>
-          <a:bodyPr rtlCol="0" anchor="ctr"/>
-          <a:lstStyle/>
-          <a:p>
-            <a:pPr algn="ctr"/>
-            <a:endParaRPr lang="en-US"/>
-          </a:p>
-        </p:txBody>
-      </p:sp>
-      <p:pic>
-        <p:nvPicPr>
-          <p:cNvPr id="17" name="Picture 16"/>
-          <p:cNvPicPr>
-            <a:picLocks noChangeAspect="1"/>
-          </p:cNvPicPr>
-          <p:nvPr/>
-        </p:nvPicPr>
-        <p:blipFill>
-          <a:blip r:embed="rId3">
-            <a:extLst>
-              <a:ext uri="{28A0092B-C50C-407E-A947-70E740481C1C}">
-                <a14:useLocalDpi xmlns:a14="http://schemas.microsoft.com/office/drawing/2010/main" val="0"/>
-              </a:ext>
-            </a:extLst>
-          </a:blip>
-          <a:stretch>
-            <a:fillRect/>
-          </a:stretch>
-        </p:blipFill>
-        <p:spPr>
-          <a:xfrm rot="19546992">
-            <a:off x="223878" y="203430"/>
-            <a:ext cx="1150327" cy="1150327"/>
-          </a:xfrm>
-          <a:prstGeom prst="rect">
-            <a:avLst/>
-          </a:prstGeom>
-        </p:spPr>
-      </p:pic>
-      <p:pic>
-        <p:nvPicPr>
-          <p:cNvPr id="18" name="Picture 17"/>
-          <p:cNvPicPr>
-            <a:picLocks noChangeAspect="1"/>
-          </p:cNvPicPr>
-          <p:nvPr/>
-        </p:nvPicPr>
-        <p:blipFill>
-          <a:blip r:embed="rId3">
-            <a:extLst>
-              <a:ext uri="{28A0092B-C50C-407E-A947-70E740481C1C}">
-                <a14:useLocalDpi xmlns:a14="http://schemas.microsoft.com/office/drawing/2010/main" val="0"/>
-              </a:ext>
-            </a:extLst>
-          </a:blip>
-          <a:stretch>
-            <a:fillRect/>
-          </a:stretch>
-        </p:blipFill>
-        <p:spPr>
-          <a:xfrm rot="19546992">
-            <a:off x="4298975" y="74655"/>
-            <a:ext cx="1150327" cy="1150327"/>
-          </a:xfrm>
-          <a:prstGeom prst="rect">
-            <a:avLst/>
-          </a:prstGeom>
-        </p:spPr>
-      </p:pic>
-      <p:pic>
-        <p:nvPicPr>
-          <p:cNvPr id="19" name="Picture 18"/>
-          <p:cNvPicPr>
-            <a:picLocks noChangeAspect="1"/>
-          </p:cNvPicPr>
-          <p:nvPr/>
-        </p:nvPicPr>
-        <p:blipFill>
-          <a:blip r:embed="rId3">
-            <a:extLst>
-              <a:ext uri="{28A0092B-C50C-407E-A947-70E740481C1C}">
-                <a14:useLocalDpi xmlns:a14="http://schemas.microsoft.com/office/drawing/2010/main" val="0"/>
-              </a:ext>
-            </a:extLst>
-          </a:blip>
-          <a:stretch>
-            <a:fillRect/>
-          </a:stretch>
-        </p:blipFill>
-        <p:spPr>
-          <a:xfrm rot="19546992">
-            <a:off x="8430964" y="74654"/>
-            <a:ext cx="1150327" cy="1150327"/>
-          </a:xfrm>
-          <a:prstGeom prst="rect">
-            <a:avLst/>
-          </a:prstGeom>
-        </p:spPr>
-      </p:pic>
-    </p:spTree>
-    <p:extLst>
-      <p:ext uri="{BB962C8B-B14F-4D97-AF65-F5344CB8AC3E}">
-        <p14:creationId xmlns:p14="http://schemas.microsoft.com/office/powerpoint/2010/main" val="715260801"/>
-      </p:ext>
-    </p:extLst>
-  </p:cSld>
-  <p:clrMapOvr>
-    <a:masterClrMapping/>
-  </p:clrMapOvr>
-  <p:timing>
-    <p:tnLst>
-      <p:par>
-        <p:cTn id="1" dur="indefinite" restart="never" nodeType="tmRoot">
-          <p:childTnLst>
-            <p:seq concurrent="1" nextAc="seek">
-              <p:cTn id="2" dur="indefinite" nodeType="mainSeq">
-                <p:childTnLst>
-                  <p:par>
-                    <p:cTn id="3" fill="hold">
-                      <p:stCondLst>
-                        <p:cond delay="indefinite"/>
-                      </p:stCondLst>
-                      <p:childTnLst>
-                        <p:par>
-                          <p:cTn id="4" fill="hold">
-                            <p:stCondLst>
-                              <p:cond delay="0"/>
-                            </p:stCondLst>
-                            <p:childTnLst>
-                              <p:par>
-                                <p:cTn id="5" presetID="9" presetClass="entr" presetSubtype="0" repeatCount="indefinite" fill="remove" grpId="0" nodeType="clickEffect">
-                                  <p:stCondLst>
-                                    <p:cond delay="0"/>
-                                  </p:stCondLst>
-                                  <p:childTnLst>
-                                    <p:set>
-                                      <p:cBhvr>
-                                        <p:cTn id="6" dur="1" fill="hold">
-                                          <p:stCondLst>
-                                            <p:cond delay="0"/>
-                                          </p:stCondLst>
-                                        </p:cTn>
-                                        <p:tgtEl>
-                                          <p:spTgt spid="13"/>
-                                        </p:tgtEl>
-                                        <p:attrNameLst>
-                                          <p:attrName>style.visibility</p:attrName>
-                                        </p:attrNameLst>
-                                      </p:cBhvr>
-                                      <p:to>
-                                        <p:strVal val="visible"/>
-                                      </p:to>
-                                    </p:set>
-                                    <p:animEffect transition="in" filter="dissolve">
-                                      <p:cBhvr>
-                                        <p:cTn id="7" dur="1000"/>
-                                        <p:tgtEl>
-                                          <p:spTgt spid="13"/>
-                                        </p:tgtEl>
-                                      </p:cBhvr>
-                                    </p:animEffect>
-                                  </p:childTnLst>
-                                </p:cTn>
-                              </p:par>
-                            </p:childTnLst>
-                          </p:cTn>
-                        </p:par>
-                      </p:childTnLst>
-                    </p:cTn>
-                  </p:par>
-                </p:childTnLst>
-              </p:cTn>
-              <p:prevCondLst>
-                <p:cond evt="onPrev" delay="0">
-                  <p:tgtEl>
-                    <p:sldTgt/>
-                  </p:tgtEl>
-                </p:cond>
-              </p:prevCondLst>
-              <p:nextCondLst>
-                <p:cond evt="onNext" delay="0">
-                  <p:tgtEl>
-                    <p:sldTgt/>
-                  </p:tgtEl>
-                </p:cond>
-              </p:nextCondLst>
-            </p:seq>
-          </p:childTnLst>
-        </p:cTn>
-      </p:par>
-    </p:tnLst>
-    <p:bldLst>
-      <p:bldP spid="13" grpId="0" animBg="1"/>
-    </p:bldLst>
-  </p:timing>
-</p:sld>
-</file>
-
-<file path=ppt/slides/slide8.xml><?xml version="1.0" encoding="utf-8"?>
+<file path=ppt/slides/slide5.xml><?xml version="1.0" encoding="utf-8"?>
 <p:sld xmlns:a="http://schemas.openxmlformats.org/drawingml/2006/main" xmlns:r="http://schemas.openxmlformats.org/officeDocument/2006/relationships" xmlns:p="http://schemas.openxmlformats.org/presentationml/2006/main">
   <p:cSld>
     <p:spTree>
@@ -12080,9 +11204,20 @@
               <a:buChar char="-"/>
             </a:pPr>
             <a:r>
-              <a:rPr lang="en-US" sz="2400" dirty="0"/>
+              <a:rPr lang="en-US" sz="2400" dirty="0" smtClean="0"/>
               <a:t>Cheap</a:t>
             </a:r>
+          </a:p>
+          <a:p>
+            <a:pPr marL="285750" indent="-285750">
+              <a:buFontTx/>
+              <a:buChar char="-"/>
+            </a:pPr>
+            <a:r>
+              <a:rPr lang="en-US" sz="2400" dirty="0" smtClean="0"/>
+              <a:t>Great slogan</a:t>
+            </a:r>
+            <a:endParaRPr lang="en-US" sz="2400" dirty="0"/>
           </a:p>
           <a:p>
             <a:endParaRPr lang="en-US" sz="2400" dirty="0"/>
@@ -12109,7 +11244,7 @@
 </p:sld>
 </file>
 
-<file path=ppt/slides/slide9.xml><?xml version="1.0" encoding="utf-8"?>
+<file path=ppt/slides/slide6.xml><?xml version="1.0" encoding="utf-8"?>
 <p:sld xmlns:a="http://schemas.openxmlformats.org/drawingml/2006/main" xmlns:r="http://schemas.openxmlformats.org/officeDocument/2006/relationships" xmlns:p="http://schemas.openxmlformats.org/presentationml/2006/main">
   <p:cSld>
     <p:spTree>
@@ -12184,6 +11319,102 @@
     <p:extLst>
       <p:ext uri="{BB962C8B-B14F-4D97-AF65-F5344CB8AC3E}">
         <p14:creationId xmlns:p14="http://schemas.microsoft.com/office/powerpoint/2010/main" val="1845721044"/>
+      </p:ext>
+    </p:extLst>
+  </p:cSld>
+  <p:clrMapOvr>
+    <a:masterClrMapping/>
+  </p:clrMapOvr>
+  <p:timing>
+    <p:tnLst>
+      <p:par>
+        <p:cTn id="1" dur="indefinite" restart="never" nodeType="tmRoot"/>
+      </p:par>
+    </p:tnLst>
+  </p:timing>
+</p:sld>
+</file>
+
+<file path=ppt/slides/slide7.xml><?xml version="1.0" encoding="utf-8"?>
+<p:sld xmlns:a="http://schemas.openxmlformats.org/drawingml/2006/main" xmlns:r="http://schemas.openxmlformats.org/officeDocument/2006/relationships" xmlns:p="http://schemas.openxmlformats.org/presentationml/2006/main">
+  <p:cSld>
+    <p:spTree>
+      <p:nvGrpSpPr>
+        <p:cNvPr id="1" name=""/>
+        <p:cNvGrpSpPr/>
+        <p:nvPr/>
+      </p:nvGrpSpPr>
+      <p:grpSpPr>
+        <a:xfrm>
+          <a:off x="0" y="0"/>
+          <a:ext cx="0" cy="0"/>
+          <a:chOff x="0" y="0"/>
+          <a:chExt cx="0" cy="0"/>
+        </a:xfrm>
+      </p:grpSpPr>
+      <p:sp>
+        <p:nvSpPr>
+          <p:cNvPr id="2" name="Title 1"/>
+          <p:cNvSpPr>
+            <a:spLocks noGrp="1"/>
+          </p:cNvSpPr>
+          <p:nvPr>
+            <p:ph type="title"/>
+          </p:nvPr>
+        </p:nvSpPr>
+        <p:spPr>
+          <a:xfrm>
+            <a:off x="838200" y="365125"/>
+            <a:ext cx="10515600" cy="1325563"/>
+          </a:xfrm>
+        </p:spPr>
+        <p:txBody>
+          <a:bodyPr>
+            <a:normAutofit/>
+          </a:bodyPr>
+          <a:lstStyle/>
+          <a:p>
+            <a:r>
+              <a:rPr lang="en-US" b="1" dirty="0"/>
+              <a:t>Hacked this </a:t>
+            </a:r>
+            <a:r>
+              <a:rPr lang="en-US" b="1" dirty="0" smtClean="0"/>
+              <a:t>event</a:t>
+            </a:r>
+            <a:endParaRPr lang="en-US" b="1" dirty="0"/>
+          </a:p>
+        </p:txBody>
+      </p:sp>
+      <p:graphicFrame>
+        <p:nvGraphicFramePr>
+          <p:cNvPr id="5" name="Content Placeholder 2"/>
+          <p:cNvGraphicFramePr>
+            <a:graphicFrameLocks noGrp="1"/>
+          </p:cNvGraphicFramePr>
+          <p:nvPr>
+            <p:ph idx="1"/>
+            <p:extLst>
+              <p:ext uri="{D42A27DB-BD31-4B8C-83A1-F6EECF244321}">
+                <p14:modId xmlns:p14="http://schemas.microsoft.com/office/powerpoint/2010/main" val="2144835896"/>
+              </p:ext>
+            </p:extLst>
+          </p:nvPr>
+        </p:nvGraphicFramePr>
+        <p:xfrm>
+          <a:off x="838200" y="1825625"/>
+          <a:ext cx="10515600" cy="4351338"/>
+        </p:xfrm>
+        <a:graphic>
+          <a:graphicData uri="http://schemas.openxmlformats.org/drawingml/2006/diagram">
+            <dgm:relIds xmlns:dgm="http://schemas.openxmlformats.org/drawingml/2006/diagram" xmlns:r="http://schemas.openxmlformats.org/officeDocument/2006/relationships" r:dm="rId2" r:lo="rId3" r:qs="rId4" r:cs="rId5"/>
+          </a:graphicData>
+        </a:graphic>
+      </p:graphicFrame>
+    </p:spTree>
+    <p:extLst>
+      <p:ext uri="{BB962C8B-B14F-4D97-AF65-F5344CB8AC3E}">
+        <p14:creationId xmlns:p14="http://schemas.microsoft.com/office/powerpoint/2010/main" val="1406254647"/>
       </p:ext>
     </p:extLst>
   </p:cSld>
